--- a/Design Patterns.pptx
+++ b/Design Patterns.pptx
@@ -976,7 +976,7 @@
             <a:fld id="{B61BEF0D-F0BB-DE4B-95CE-6DB70DBA9567}" type="datetimeFigureOut">
               <a:rPr lang="en-US" dirty="0"/>
               <a:pPr/>
-              <a:t>3/27/2019</a:t>
+              <a:t>6/27/2019</a:t>
             </a:fld>
             <a:endParaRPr lang="en-US" dirty="0"/>
           </a:p>
@@ -1224,7 +1224,7 @@
             <a:fld id="{B61BEF0D-F0BB-DE4B-95CE-6DB70DBA9567}" type="datetimeFigureOut">
               <a:rPr lang="en-US" dirty="0"/>
               <a:pPr/>
-              <a:t>3/27/2019</a:t>
+              <a:t>6/27/2019</a:t>
             </a:fld>
             <a:endParaRPr lang="en-US" dirty="0"/>
           </a:p>
@@ -1535,7 +1535,7 @@
             <a:fld id="{B61BEF0D-F0BB-DE4B-95CE-6DB70DBA9567}" type="datetimeFigureOut">
               <a:rPr lang="en-US" dirty="0"/>
               <a:pPr/>
-              <a:t>3/27/2019</a:t>
+              <a:t>6/27/2019</a:t>
             </a:fld>
             <a:endParaRPr lang="en-US" dirty="0"/>
           </a:p>
@@ -1873,7 +1873,7 @@
             <a:fld id="{B61BEF0D-F0BB-DE4B-95CE-6DB70DBA9567}" type="datetimeFigureOut">
               <a:rPr lang="en-US" dirty="0"/>
               <a:pPr/>
-              <a:t>3/27/2019</a:t>
+              <a:t>6/27/2019</a:t>
             </a:fld>
             <a:endParaRPr lang="en-US" dirty="0"/>
           </a:p>
@@ -2184,7 +2184,7 @@
             <a:fld id="{B61BEF0D-F0BB-DE4B-95CE-6DB70DBA9567}" type="datetimeFigureOut">
               <a:rPr lang="en-US" dirty="0"/>
               <a:pPr/>
-              <a:t>3/27/2019</a:t>
+              <a:t>6/27/2019</a:t>
             </a:fld>
             <a:endParaRPr lang="en-US" dirty="0"/>
           </a:p>
@@ -2574,7 +2574,7 @@
             <a:fld id="{B61BEF0D-F0BB-DE4B-95CE-6DB70DBA9567}" type="datetimeFigureOut">
               <a:rPr lang="en-US" dirty="0"/>
               <a:pPr/>
-              <a:t>3/27/2019</a:t>
+              <a:t>6/27/2019</a:t>
             </a:fld>
             <a:endParaRPr lang="en-US" dirty="0"/>
           </a:p>
@@ -2740,7 +2740,7 @@
           <a:p>
             <a:fld id="{55C6B4A9-1611-4792-9094-5F34BCA07E0B}" type="datetimeFigureOut">
               <a:rPr lang="en-US" dirty="0"/>
-              <a:t>3/27/2019</a:t>
+              <a:t>6/27/2019</a:t>
             </a:fld>
             <a:endParaRPr lang="en-US" dirty="0"/>
           </a:p>
@@ -2916,7 +2916,7 @@
             <a:fld id="{B61BEF0D-F0BB-DE4B-95CE-6DB70DBA9567}" type="datetimeFigureOut">
               <a:rPr lang="en-US" dirty="0"/>
               <a:pPr/>
-              <a:t>3/27/2019</a:t>
+              <a:t>6/27/2019</a:t>
             </a:fld>
             <a:endParaRPr lang="en-US" dirty="0"/>
           </a:p>
@@ -3089,7 +3089,7 @@
             <a:fld id="{B61BEF0D-F0BB-DE4B-95CE-6DB70DBA9567}" type="datetimeFigureOut">
               <a:rPr lang="en-US" dirty="0"/>
               <a:pPr/>
-              <a:t>3/27/2019</a:t>
+              <a:t>6/27/2019</a:t>
             </a:fld>
             <a:endParaRPr lang="en-US" dirty="0"/>
           </a:p>
@@ -3333,7 +3333,7 @@
             <a:fld id="{B61BEF0D-F0BB-DE4B-95CE-6DB70DBA9567}" type="datetimeFigureOut">
               <a:rPr lang="en-US" dirty="0"/>
               <a:pPr/>
-              <a:t>3/27/2019</a:t>
+              <a:t>6/27/2019</a:t>
             </a:fld>
             <a:endParaRPr lang="en-US" dirty="0"/>
           </a:p>
@@ -3561,7 +3561,7 @@
           <a:p>
             <a:fld id="{EB712588-04B1-427B-82EE-E8DB90309F08}" type="datetimeFigureOut">
               <a:rPr lang="en-US" dirty="0"/>
-              <a:t>3/27/2019</a:t>
+              <a:t>6/27/2019</a:t>
             </a:fld>
             <a:endParaRPr lang="en-US" dirty="0"/>
           </a:p>
@@ -3931,7 +3931,7 @@
             <a:fld id="{B61BEF0D-F0BB-DE4B-95CE-6DB70DBA9567}" type="datetimeFigureOut">
               <a:rPr lang="en-US" dirty="0"/>
               <a:pPr/>
-              <a:t>3/27/2019</a:t>
+              <a:t>6/27/2019</a:t>
             </a:fld>
             <a:endParaRPr lang="en-US" dirty="0"/>
           </a:p>
@@ -4051,7 +4051,7 @@
             <a:fld id="{B61BEF0D-F0BB-DE4B-95CE-6DB70DBA9567}" type="datetimeFigureOut">
               <a:rPr lang="en-US" dirty="0"/>
               <a:pPr/>
-              <a:t>3/27/2019</a:t>
+              <a:t>6/27/2019</a:t>
             </a:fld>
             <a:endParaRPr lang="en-US" dirty="0"/>
           </a:p>
@@ -4143,7 +4143,7 @@
             <a:fld id="{B61BEF0D-F0BB-DE4B-95CE-6DB70DBA9567}" type="datetimeFigureOut">
               <a:rPr lang="en-US" dirty="0"/>
               <a:pPr/>
-              <a:t>3/27/2019</a:t>
+              <a:t>6/27/2019</a:t>
             </a:fld>
             <a:endParaRPr lang="en-US" dirty="0"/>
           </a:p>
@@ -4394,7 +4394,7 @@
           <a:p>
             <a:fld id="{42A54C80-263E-416B-A8E0-580EDEADCBDC}" type="datetimeFigureOut">
               <a:rPr lang="en-US" dirty="0"/>
-              <a:t>3/27/2019</a:t>
+              <a:t>6/27/2019</a:t>
             </a:fld>
             <a:endParaRPr lang="en-US" dirty="0"/>
           </a:p>
@@ -4653,7 +4653,7 @@
             <a:fld id="{B61BEF0D-F0BB-DE4B-95CE-6DB70DBA9567}" type="datetimeFigureOut">
               <a:rPr lang="en-US" dirty="0"/>
               <a:pPr/>
-              <a:t>3/27/2019</a:t>
+              <a:t>6/27/2019</a:t>
             </a:fld>
             <a:endParaRPr lang="en-US" dirty="0"/>
           </a:p>
@@ -5393,7 +5393,7 @@
             <a:fld id="{B61BEF0D-F0BB-DE4B-95CE-6DB70DBA9567}" type="datetimeFigureOut">
               <a:rPr lang="en-US" dirty="0"/>
               <a:pPr/>
-              <a:t>3/27/2019</a:t>
+              <a:t>6/27/2019</a:t>
             </a:fld>
             <a:endParaRPr lang="en-US" dirty="0"/>
           </a:p>
@@ -6125,7 +6125,7 @@
                 <a:latin typeface="Calibri" panose="020F0502020204030204" pitchFamily="34" charset="0"/>
                 <a:cs typeface="Calibri" panose="020F0502020204030204" pitchFamily="34" charset="0"/>
               </a:rPr>
-              <a:t>Handler </a:t>
+              <a:t>Abstract Handler </a:t>
             </a:r>
             <a:r>
               <a:rPr lang="en-US" sz="3100" dirty="0">
@@ -6147,18 +6147,11 @@
           </a:p>
           <a:p>
             <a:r>
-              <a:rPr lang="en-US" sz="3100" b="1" dirty="0" err="1">
-                <a:latin typeface="Calibri" panose="020F0502020204030204" pitchFamily="34" charset="0"/>
-                <a:cs typeface="Calibri" panose="020F0502020204030204" pitchFamily="34" charset="0"/>
-              </a:rPr>
-              <a:t>ConcreteHandler</a:t>
-            </a:r>
-            <a:r>
               <a:rPr lang="en-US" sz="3100" b="1" dirty="0">
                 <a:latin typeface="Calibri" panose="020F0502020204030204" pitchFamily="34" charset="0"/>
                 <a:cs typeface="Calibri" panose="020F0502020204030204" pitchFamily="34" charset="0"/>
               </a:rPr>
-              <a:t> </a:t>
+              <a:t>Concrete Handler </a:t>
             </a:r>
             <a:r>
               <a:rPr lang="en-US" sz="3100" dirty="0">
@@ -6195,21 +6188,7 @@
                 <a:latin typeface="Calibri" panose="020F0502020204030204" pitchFamily="34" charset="0"/>
                 <a:cs typeface="Calibri" panose="020F0502020204030204" pitchFamily="34" charset="0"/>
               </a:rPr>
-              <a:t>if the </a:t>
-            </a:r>
-            <a:r>
-              <a:rPr lang="en-US" sz="3100" dirty="0" err="1">
-                <a:latin typeface="Calibri" panose="020F0502020204030204" pitchFamily="34" charset="0"/>
-                <a:cs typeface="Calibri" panose="020F0502020204030204" pitchFamily="34" charset="0"/>
-              </a:rPr>
-              <a:t>ConcreteHandler</a:t>
-            </a:r>
-            <a:r>
-              <a:rPr lang="en-US" sz="3100" dirty="0">
-                <a:latin typeface="Calibri" panose="020F0502020204030204" pitchFamily="34" charset="0"/>
-                <a:cs typeface="Calibri" panose="020F0502020204030204" pitchFamily="34" charset="0"/>
-              </a:rPr>
-              <a:t> can handle the request, it does so; otherwise it forwards the request to its successor</a:t>
+              <a:t>if the Concrete Handler can handle the request, it does so; otherwise it forwards the request to its successor</a:t>
             </a:r>
           </a:p>
           <a:p>
@@ -6235,21 +6214,7 @@
                 <a:latin typeface="Calibri" panose="020F0502020204030204" pitchFamily="34" charset="0"/>
                 <a:cs typeface="Calibri" panose="020F0502020204030204" pitchFamily="34" charset="0"/>
               </a:rPr>
-              <a:t>initiates the request to a </a:t>
-            </a:r>
-            <a:r>
-              <a:rPr lang="en-US" sz="3100" dirty="0" err="1">
-                <a:latin typeface="Calibri" panose="020F0502020204030204" pitchFamily="34" charset="0"/>
-                <a:cs typeface="Calibri" panose="020F0502020204030204" pitchFamily="34" charset="0"/>
-              </a:rPr>
-              <a:t>ConcreteHandler</a:t>
-            </a:r>
-            <a:r>
-              <a:rPr lang="en-US" sz="3100" dirty="0">
-                <a:latin typeface="Calibri" panose="020F0502020204030204" pitchFamily="34" charset="0"/>
-                <a:cs typeface="Calibri" panose="020F0502020204030204" pitchFamily="34" charset="0"/>
-              </a:rPr>
-              <a:t> object on the chain</a:t>
+              <a:t>initiates the request to a Concrete Handler object on the chain</a:t>
             </a:r>
           </a:p>
           <a:p>
